--- a/American_Airlines_Intelligence_Demo (1).pptx
+++ b/American_Airlines_Intelligence_Demo (1).pptx
@@ -5,12 +5,14 @@
     <p:sldMasterId id="2147483648" r:id="rId1"/>
   </p:sldMasterIdLst>
   <p:notesMasterIdLst>
-    <p:notesMasterId r:id="rId5"/>
+    <p:notesMasterId r:id="rId7"/>
   </p:notesMasterIdLst>
   <p:sldIdLst>
-    <p:sldId id="256" r:id="rId2"/>
-    <p:sldId id="257" r:id="rId3"/>
-    <p:sldId id="258" r:id="rId4"/>
+    <p:sldId id="259" r:id="rId2"/>
+    <p:sldId id="260" r:id="rId3"/>
+    <p:sldId id="256" r:id="rId4"/>
+    <p:sldId id="257" r:id="rId5"/>
+    <p:sldId id="258" r:id="rId6"/>
   </p:sldIdLst>
   <p:sldSz cx="9144000" cy="5143500" type="screen16x9"/>
   <p:notesSz cx="5143500" cy="9144000"/>
@@ -304,7 +306,7 @@
           <a:p>
             <a:fld id="{F7021451-1387-4CA6-816F-3879F97B5CBC}" type="slidenum">
               <a:rPr lang="en-US"/>
-              <a:t>1</a:t>
+              <a:t>3</a:t>
             </a:fld>
             <a:endParaRPr lang="en-US"/>
           </a:p>
@@ -388,7 +390,7 @@
           <a:p>
             <a:fld id="{F7021451-1387-4CA6-816F-3879F97B5CBC}" type="slidenum">
               <a:rPr lang="en-US"/>
-              <a:t>2</a:t>
+              <a:t>4</a:t>
             </a:fld>
             <a:endParaRPr lang="en-US"/>
           </a:p>
@@ -472,7 +474,7 @@
           <a:p>
             <a:fld id="{F7021451-1387-4CA6-816F-3879F97B5CBC}" type="slidenum">
               <a:rPr lang="en-US"/>
-              <a:t>3</a:t>
+              <a:t>5</a:t>
             </a:fld>
             <a:endParaRPr lang="en-US"/>
           </a:p>
@@ -521,6 +523,101 @@
 </p:sldLayout>
 </file>
 
+<file path=ppt/slideLayouts/slideLayout2.xml><?xml version="1.0" encoding="utf-8"?>
+<p:sldLayout xmlns:a="http://schemas.openxmlformats.org/drawingml/2006/main" xmlns:r="http://schemas.openxmlformats.org/officeDocument/2006/relationships" xmlns:p="http://schemas.openxmlformats.org/presentationml/2006/main" type="blank">
+  <p:cSld name="Blank">
+    <p:spTree>
+      <p:nvGrpSpPr>
+        <p:cNvPr id="1" name=""/>
+        <p:cNvGrpSpPr/>
+        <p:nvPr/>
+      </p:nvGrpSpPr>
+      <p:grpSpPr>
+        <a:xfrm>
+          <a:off x="0" y="0"/>
+          <a:ext cx="0" cy="0"/>
+          <a:chOff x="0" y="0"/>
+          <a:chExt cx="0" cy="0"/>
+        </a:xfrm>
+      </p:grpSpPr>
+      <p:sp>
+        <p:nvSpPr>
+          <p:cNvPr id="2" name="Date Placeholder 1"/>
+          <p:cNvSpPr>
+            <a:spLocks noGrp="1"/>
+          </p:cNvSpPr>
+          <p:nvPr>
+            <p:ph type="dt" sz="half" idx="10"/>
+          </p:nvPr>
+        </p:nvSpPr>
+        <p:spPr/>
+        <p:txBody>
+          <a:bodyPr/>
+          <a:lstStyle/>
+          <a:p>
+            <a:fld id="{5BCAD085-E8A6-8845-BD4E-CB4CCA059FC4}" type="datetimeFigureOut">
+              <a:rPr lang="en-US" smtClean="0"/>
+              <a:t>2/12/2026</a:t>
+            </a:fld>
+            <a:endParaRPr lang="en-US"/>
+          </a:p>
+        </p:txBody>
+      </p:sp>
+      <p:sp>
+        <p:nvSpPr>
+          <p:cNvPr id="3" name="Footer Placeholder 2"/>
+          <p:cNvSpPr>
+            <a:spLocks noGrp="1"/>
+          </p:cNvSpPr>
+          <p:nvPr>
+            <p:ph type="ftr" sz="quarter" idx="11"/>
+          </p:nvPr>
+        </p:nvSpPr>
+        <p:spPr/>
+        <p:txBody>
+          <a:bodyPr/>
+          <a:lstStyle/>
+          <a:p>
+            <a:endParaRPr lang="en-US"/>
+          </a:p>
+        </p:txBody>
+      </p:sp>
+      <p:sp>
+        <p:nvSpPr>
+          <p:cNvPr id="4" name="Slide Number Placeholder 3"/>
+          <p:cNvSpPr>
+            <a:spLocks noGrp="1"/>
+          </p:cNvSpPr>
+          <p:nvPr>
+            <p:ph type="sldNum" sz="quarter" idx="12"/>
+          </p:nvPr>
+        </p:nvSpPr>
+        <p:spPr/>
+        <p:txBody>
+          <a:bodyPr/>
+          <a:lstStyle/>
+          <a:p>
+            <a:fld id="{C1FF6DA9-008F-8B48-92A6-B652298478BF}" type="slidenum">
+              <a:rPr lang="en-US" smtClean="0"/>
+              <a:t>‹#›</a:t>
+            </a:fld>
+            <a:endParaRPr lang="en-US"/>
+          </a:p>
+        </p:txBody>
+      </p:sp>
+    </p:spTree>
+    <p:extLst>
+      <p:ext uri="{BB962C8B-B14F-4D97-AF65-F5344CB8AC3E}">
+        <p14:creationId xmlns:p14="http://schemas.microsoft.com/office/powerpoint/2010/main" val="2474251024"/>
+      </p:ext>
+    </p:extLst>
+  </p:cSld>
+  <p:clrMapOvr>
+    <a:masterClrMapping/>
+  </p:clrMapOvr>
+</p:sldLayout>
+</file>
+
 <file path=ppt/slideMasters/slideMaster1.xml><?xml version="1.0" encoding="utf-8"?>
 <p:sldMaster xmlns:a="http://schemas.openxmlformats.org/drawingml/2006/main" xmlns:r="http://schemas.openxmlformats.org/officeDocument/2006/relationships" xmlns:p="http://schemas.openxmlformats.org/presentationml/2006/main">
   <p:cSld>
@@ -548,6 +645,7 @@
   <p:clrMap bg1="lt1" tx1="dk1" bg2="lt2" tx2="dk2" accent1="accent1" accent2="accent2" accent3="accent3" accent4="accent4" accent5="accent5" accent6="accent6" hlink="hlink" folHlink="folHlink"/>
   <p:sldLayoutIdLst>
     <p:sldLayoutId id="2147483649" r:id="rId1"/>
+    <p:sldLayoutId id="2147483650" r:id="rId2"/>
   </p:sldLayoutIdLst>
   <p:hf sldNum="0" hdr="0" ftr="0" dt="0"/>
   <p:txStyles>
@@ -804,6 +902,1618 @@
 </file>
 
 <file path=ppt/slides/slide1.xml><?xml version="1.0" encoding="utf-8"?>
+<p:sld xmlns:a="http://schemas.openxmlformats.org/drawingml/2006/main" xmlns:r="http://schemas.openxmlformats.org/officeDocument/2006/relationships" xmlns:p="http://schemas.openxmlformats.org/presentationml/2006/main">
+  <p:cSld>
+    <p:spTree>
+      <p:nvGrpSpPr>
+        <p:cNvPr id="1" name=""/>
+        <p:cNvGrpSpPr/>
+        <p:nvPr/>
+      </p:nvGrpSpPr>
+      <p:grpSpPr>
+        <a:xfrm>
+          <a:off x="0" y="0"/>
+          <a:ext cx="0" cy="0"/>
+          <a:chOff x="0" y="0"/>
+          <a:chExt cx="0" cy="0"/>
+        </a:xfrm>
+      </p:grpSpPr>
+      <p:sp>
+        <p:nvSpPr>
+          <p:cNvPr id="2" name="Rectangle 1"/>
+          <p:cNvSpPr/>
+          <p:nvPr/>
+        </p:nvSpPr>
+        <p:spPr>
+          <a:xfrm>
+            <a:off x="1143000" y="0"/>
+            <a:ext cx="6858000" cy="5143500"/>
+          </a:xfrm>
+          <a:prstGeom prst="rect">
+            <a:avLst/>
+          </a:prstGeom>
+          <a:solidFill>
+            <a:srgbClr val="FFFFFF"/>
+          </a:solidFill>
+          <a:ln>
+            <a:noFill/>
+          </a:ln>
+        </p:spPr>
+        <p:style>
+          <a:lnRef idx="1">
+            <a:schemeClr val="accent1"/>
+          </a:lnRef>
+          <a:fillRef idx="3">
+            <a:schemeClr val="accent1"/>
+          </a:fillRef>
+          <a:effectRef idx="2">
+            <a:schemeClr val="accent1"/>
+          </a:effectRef>
+          <a:fontRef idx="minor">
+            <a:schemeClr val="lt1"/>
+          </a:fontRef>
+        </p:style>
+        <p:txBody>
+          <a:bodyPr rtlCol="0" anchor="ctr"/>
+          <a:lstStyle/>
+          <a:p>
+            <a:pPr algn="ctr"/>
+            <a:endParaRPr sz="1350" dirty="0"/>
+          </a:p>
+        </p:txBody>
+      </p:sp>
+      <p:sp>
+        <p:nvSpPr>
+          <p:cNvPr id="3" name="Rectangle 2"/>
+          <p:cNvSpPr/>
+          <p:nvPr/>
+        </p:nvSpPr>
+        <p:spPr>
+          <a:xfrm>
+            <a:off x="7658100" y="0"/>
+            <a:ext cx="342900" cy="5143500"/>
+          </a:xfrm>
+          <a:prstGeom prst="rect">
+            <a:avLst/>
+          </a:prstGeom>
+          <a:solidFill>
+            <a:srgbClr val="1F6CD0"/>
+          </a:solidFill>
+          <a:ln>
+            <a:noFill/>
+          </a:ln>
+        </p:spPr>
+        <p:style>
+          <a:lnRef idx="1">
+            <a:schemeClr val="accent1"/>
+          </a:lnRef>
+          <a:fillRef idx="3">
+            <a:schemeClr val="accent1"/>
+          </a:fillRef>
+          <a:effectRef idx="2">
+            <a:schemeClr val="accent1"/>
+          </a:effectRef>
+          <a:fontRef idx="minor">
+            <a:schemeClr val="lt1"/>
+          </a:fontRef>
+        </p:style>
+        <p:txBody>
+          <a:bodyPr rtlCol="0" anchor="ctr"/>
+          <a:lstStyle/>
+          <a:p>
+            <a:pPr algn="ctr"/>
+            <a:endParaRPr sz="1350"/>
+          </a:p>
+        </p:txBody>
+      </p:sp>
+      <p:sp>
+        <p:nvSpPr>
+          <p:cNvPr id="4" name="TextBox 3"/>
+          <p:cNvSpPr txBox="1"/>
+          <p:nvPr/>
+        </p:nvSpPr>
+        <p:spPr>
+          <a:xfrm>
+            <a:off x="1588770" y="246888"/>
+            <a:ext cx="4546566" cy="484748"/>
+          </a:xfrm>
+          <a:prstGeom prst="rect">
+            <a:avLst/>
+          </a:prstGeom>
+          <a:noFill/>
+        </p:spPr>
+        <p:txBody>
+          <a:bodyPr wrap="none">
+            <a:spAutoFit/>
+          </a:bodyPr>
+          <a:lstStyle/>
+          <a:p>
+            <a:pPr>
+              <a:defRPr sz="3400" b="1">
+                <a:solidFill>
+                  <a:srgbClr val="232323"/>
+                </a:solidFill>
+                <a:latin typeface="Calibri"/>
+              </a:defRPr>
+            </a:pPr>
+            <a:r>
+              <a:rPr sz="2550" dirty="0"/>
+              <a:t>Why Coding Agents Matter Now</a:t>
+            </a:r>
+          </a:p>
+        </p:txBody>
+      </p:sp>
+      <p:sp>
+        <p:nvSpPr>
+          <p:cNvPr id="6" name="TextBox 5"/>
+          <p:cNvSpPr txBox="1"/>
+          <p:nvPr/>
+        </p:nvSpPr>
+        <p:spPr>
+          <a:xfrm>
+            <a:off x="1602486" y="672085"/>
+            <a:ext cx="5900974" cy="259751"/>
+          </a:xfrm>
+          <a:prstGeom prst="rect">
+            <a:avLst/>
+          </a:prstGeom>
+          <a:noFill/>
+        </p:spPr>
+        <p:txBody>
+          <a:bodyPr wrap="none">
+            <a:spAutoFit/>
+          </a:bodyPr>
+          <a:lstStyle/>
+          <a:p>
+            <a:pPr>
+              <a:defRPr sz="1450">
+                <a:solidFill>
+                  <a:srgbClr val="5A5A5A"/>
+                </a:solidFill>
+                <a:latin typeface="Calibri"/>
+              </a:defRPr>
+            </a:pPr>
+            <a:r>
+              <a:rPr sz="1088"/>
+              <a:t>Copilot, Codex, Claude Code, Continue, Roo Code — AI LAB is building an enterprise-ready approach.</a:t>
+            </a:r>
+          </a:p>
+        </p:txBody>
+      </p:sp>
+      <p:sp>
+        <p:nvSpPr>
+          <p:cNvPr id="7" name="Rectangle 6"/>
+          <p:cNvSpPr/>
+          <p:nvPr/>
+        </p:nvSpPr>
+        <p:spPr>
+          <a:xfrm>
+            <a:off x="1602486" y="987552"/>
+            <a:ext cx="2708910" cy="34290"/>
+          </a:xfrm>
+          <a:prstGeom prst="rect">
+            <a:avLst/>
+          </a:prstGeom>
+          <a:solidFill>
+            <a:srgbClr val="1F6CD0"/>
+          </a:solidFill>
+          <a:ln>
+            <a:noFill/>
+          </a:ln>
+        </p:spPr>
+        <p:style>
+          <a:lnRef idx="1">
+            <a:schemeClr val="accent1"/>
+          </a:lnRef>
+          <a:fillRef idx="3">
+            <a:schemeClr val="accent1"/>
+          </a:fillRef>
+          <a:effectRef idx="2">
+            <a:schemeClr val="accent1"/>
+          </a:effectRef>
+          <a:fontRef idx="minor">
+            <a:schemeClr val="lt1"/>
+          </a:fontRef>
+        </p:style>
+        <p:txBody>
+          <a:bodyPr rtlCol="0" anchor="ctr"/>
+          <a:lstStyle/>
+          <a:p>
+            <a:pPr algn="ctr"/>
+            <a:endParaRPr sz="1350"/>
+          </a:p>
+        </p:txBody>
+      </p:sp>
+      <p:sp>
+        <p:nvSpPr>
+          <p:cNvPr id="8" name="Rounded Rectangle 7"/>
+          <p:cNvSpPr/>
+          <p:nvPr/>
+        </p:nvSpPr>
+        <p:spPr>
+          <a:xfrm>
+            <a:off x="1588770" y="1165861"/>
+            <a:ext cx="4080510" cy="781811"/>
+          </a:xfrm>
+          <a:prstGeom prst="roundRect">
+            <a:avLst/>
+          </a:prstGeom>
+          <a:solidFill>
+            <a:srgbClr val="FFFFFF"/>
+          </a:solidFill>
+          <a:ln w="12700">
+            <a:solidFill>
+              <a:srgbClr val="DCE2EB"/>
+            </a:solidFill>
+          </a:ln>
+        </p:spPr>
+        <p:style>
+          <a:lnRef idx="1">
+            <a:schemeClr val="accent1"/>
+          </a:lnRef>
+          <a:fillRef idx="3">
+            <a:schemeClr val="accent1"/>
+          </a:fillRef>
+          <a:effectRef idx="2">
+            <a:schemeClr val="accent1"/>
+          </a:effectRef>
+          <a:fontRef idx="minor">
+            <a:schemeClr val="lt1"/>
+          </a:fontRef>
+        </p:style>
+        <p:txBody>
+          <a:bodyPr rtlCol="0" anchor="ctr"/>
+          <a:lstStyle/>
+          <a:p>
+            <a:pPr algn="ctr"/>
+            <a:endParaRPr sz="1350"/>
+          </a:p>
+        </p:txBody>
+      </p:sp>
+      <p:sp>
+        <p:nvSpPr>
+          <p:cNvPr id="9" name="Rectangle 8"/>
+          <p:cNvSpPr/>
+          <p:nvPr/>
+        </p:nvSpPr>
+        <p:spPr>
+          <a:xfrm>
+            <a:off x="1588770" y="1165861"/>
+            <a:ext cx="82296" cy="781811"/>
+          </a:xfrm>
+          <a:prstGeom prst="rect">
+            <a:avLst/>
+          </a:prstGeom>
+          <a:solidFill>
+            <a:srgbClr val="1F6CD0"/>
+          </a:solidFill>
+          <a:ln>
+            <a:noFill/>
+          </a:ln>
+        </p:spPr>
+        <p:style>
+          <a:lnRef idx="1">
+            <a:schemeClr val="accent1"/>
+          </a:lnRef>
+          <a:fillRef idx="3">
+            <a:schemeClr val="accent1"/>
+          </a:fillRef>
+          <a:effectRef idx="2">
+            <a:schemeClr val="accent1"/>
+          </a:effectRef>
+          <a:fontRef idx="minor">
+            <a:schemeClr val="lt1"/>
+          </a:fontRef>
+        </p:style>
+        <p:txBody>
+          <a:bodyPr rtlCol="0" anchor="ctr"/>
+          <a:lstStyle/>
+          <a:p>
+            <a:pPr algn="ctr"/>
+            <a:endParaRPr sz="1350"/>
+          </a:p>
+        </p:txBody>
+      </p:sp>
+      <p:sp>
+        <p:nvSpPr>
+          <p:cNvPr id="10" name="Oval 9"/>
+          <p:cNvSpPr/>
+          <p:nvPr/>
+        </p:nvSpPr>
+        <p:spPr>
+          <a:xfrm>
+            <a:off x="1760220" y="1344168"/>
+            <a:ext cx="425196" cy="425196"/>
+          </a:xfrm>
+          <a:prstGeom prst="ellipse">
+            <a:avLst/>
+          </a:prstGeom>
+          <a:solidFill>
+            <a:srgbClr val="1F6CD0"/>
+          </a:solidFill>
+          <a:ln>
+            <a:noFill/>
+          </a:ln>
+        </p:spPr>
+        <p:style>
+          <a:lnRef idx="1">
+            <a:schemeClr val="accent1"/>
+          </a:lnRef>
+          <a:fillRef idx="3">
+            <a:schemeClr val="accent1"/>
+          </a:fillRef>
+          <a:effectRef idx="2">
+            <a:schemeClr val="accent1"/>
+          </a:effectRef>
+          <a:fontRef idx="minor">
+            <a:schemeClr val="lt1"/>
+          </a:fontRef>
+        </p:style>
+        <p:txBody>
+          <a:bodyPr wrap="none" lIns="0" tIns="0" rIns="0" bIns="0" rtlCol="0" anchor="ctr"/>
+          <a:lstStyle/>
+          <a:p>
+            <a:pPr algn="ctr">
+              <a:defRPr sz="1600" b="1">
+                <a:solidFill>
+                  <a:srgbClr val="FFFFFF"/>
+                </a:solidFill>
+                <a:latin typeface="Calibri"/>
+              </a:defRPr>
+            </a:pPr>
+            <a:r>
+              <a:rPr sz="1200"/>
+              <a:t>01</a:t>
+            </a:r>
+          </a:p>
+        </p:txBody>
+      </p:sp>
+      <p:sp>
+        <p:nvSpPr>
+          <p:cNvPr id="11" name="TextBox 10"/>
+          <p:cNvSpPr txBox="1"/>
+          <p:nvPr/>
+        </p:nvSpPr>
+        <p:spPr>
+          <a:xfrm>
+            <a:off x="2302002" y="1225449"/>
+            <a:ext cx="2372316" cy="282834"/>
+          </a:xfrm>
+          <a:prstGeom prst="rect">
+            <a:avLst/>
+          </a:prstGeom>
+          <a:noFill/>
+        </p:spPr>
+        <p:txBody>
+          <a:bodyPr wrap="none">
+            <a:spAutoFit/>
+          </a:bodyPr>
+          <a:lstStyle/>
+          <a:p>
+            <a:pPr>
+              <a:defRPr sz="1650" b="1">
+                <a:solidFill>
+                  <a:srgbClr val="232323"/>
+                </a:solidFill>
+                <a:latin typeface="Calibri"/>
+              </a:defRPr>
+            </a:pPr>
+            <a:r>
+              <a:rPr sz="1238" dirty="0"/>
+              <a:t>Why coding agents are important</a:t>
+            </a:r>
+          </a:p>
+        </p:txBody>
+      </p:sp>
+      <p:sp>
+        <p:nvSpPr>
+          <p:cNvPr id="12" name="TextBox 11"/>
+          <p:cNvSpPr txBox="1"/>
+          <p:nvPr/>
+        </p:nvSpPr>
+        <p:spPr>
+          <a:xfrm>
+            <a:off x="2302002" y="1443610"/>
+            <a:ext cx="3223260" cy="542456"/>
+          </a:xfrm>
+          <a:prstGeom prst="rect">
+            <a:avLst/>
+          </a:prstGeom>
+          <a:noFill/>
+        </p:spPr>
+        <p:txBody>
+          <a:bodyPr wrap="square">
+            <a:spAutoFit/>
+          </a:bodyPr>
+          <a:lstStyle/>
+          <a:p>
+            <a:pPr>
+              <a:defRPr sz="1300">
+                <a:solidFill>
+                  <a:srgbClr val="5A5A5A"/>
+                </a:solidFill>
+                <a:latin typeface="Calibri"/>
+              </a:defRPr>
+            </a:pPr>
+            <a:r>
+              <a:rPr sz="975" dirty="0"/>
+              <a:t>Automate repetitive SDLC work to accelerate delivery.</a:t>
+            </a:r>
+          </a:p>
+          <a:p>
+            <a:pPr>
+              <a:defRPr sz="1300">
+                <a:solidFill>
+                  <a:srgbClr val="5A5A5A"/>
+                </a:solidFill>
+                <a:latin typeface="Calibri"/>
+              </a:defRPr>
+            </a:pPr>
+            <a:r>
+              <a:rPr sz="975" dirty="0"/>
+              <a:t>Developers move faster in reading, writing, refactoring, and review.</a:t>
+            </a:r>
+          </a:p>
+        </p:txBody>
+      </p:sp>
+      <p:sp>
+        <p:nvSpPr>
+          <p:cNvPr id="13" name="Rounded Rectangle 12"/>
+          <p:cNvSpPr/>
+          <p:nvPr/>
+        </p:nvSpPr>
+        <p:spPr>
+          <a:xfrm>
+            <a:off x="1588770" y="2057400"/>
+            <a:ext cx="4080510" cy="781811"/>
+          </a:xfrm>
+          <a:prstGeom prst="roundRect">
+            <a:avLst/>
+          </a:prstGeom>
+          <a:solidFill>
+            <a:srgbClr val="FFFFFF"/>
+          </a:solidFill>
+          <a:ln w="12700">
+            <a:solidFill>
+              <a:srgbClr val="DCE2EB"/>
+            </a:solidFill>
+          </a:ln>
+        </p:spPr>
+        <p:style>
+          <a:lnRef idx="1">
+            <a:schemeClr val="accent1"/>
+          </a:lnRef>
+          <a:fillRef idx="3">
+            <a:schemeClr val="accent1"/>
+          </a:fillRef>
+          <a:effectRef idx="2">
+            <a:schemeClr val="accent1"/>
+          </a:effectRef>
+          <a:fontRef idx="minor">
+            <a:schemeClr val="lt1"/>
+          </a:fontRef>
+        </p:style>
+        <p:txBody>
+          <a:bodyPr rtlCol="0" anchor="ctr"/>
+          <a:lstStyle/>
+          <a:p>
+            <a:pPr algn="ctr"/>
+            <a:endParaRPr sz="1350"/>
+          </a:p>
+        </p:txBody>
+      </p:sp>
+      <p:sp>
+        <p:nvSpPr>
+          <p:cNvPr id="14" name="Rectangle 13"/>
+          <p:cNvSpPr/>
+          <p:nvPr/>
+        </p:nvSpPr>
+        <p:spPr>
+          <a:xfrm>
+            <a:off x="1588770" y="2057400"/>
+            <a:ext cx="82296" cy="781811"/>
+          </a:xfrm>
+          <a:prstGeom prst="rect">
+            <a:avLst/>
+          </a:prstGeom>
+          <a:solidFill>
+            <a:srgbClr val="0F2950"/>
+          </a:solidFill>
+          <a:ln>
+            <a:noFill/>
+          </a:ln>
+        </p:spPr>
+        <p:style>
+          <a:lnRef idx="1">
+            <a:schemeClr val="accent1"/>
+          </a:lnRef>
+          <a:fillRef idx="3">
+            <a:schemeClr val="accent1"/>
+          </a:fillRef>
+          <a:effectRef idx="2">
+            <a:schemeClr val="accent1"/>
+          </a:effectRef>
+          <a:fontRef idx="minor">
+            <a:schemeClr val="lt1"/>
+          </a:fontRef>
+        </p:style>
+        <p:txBody>
+          <a:bodyPr rtlCol="0" anchor="ctr"/>
+          <a:lstStyle/>
+          <a:p>
+            <a:pPr algn="ctr"/>
+            <a:endParaRPr sz="1350"/>
+          </a:p>
+        </p:txBody>
+      </p:sp>
+      <p:sp>
+        <p:nvSpPr>
+          <p:cNvPr id="15" name="Oval 14"/>
+          <p:cNvSpPr/>
+          <p:nvPr/>
+        </p:nvSpPr>
+        <p:spPr>
+          <a:xfrm>
+            <a:off x="1760220" y="2235707"/>
+            <a:ext cx="425196" cy="425196"/>
+          </a:xfrm>
+          <a:prstGeom prst="ellipse">
+            <a:avLst/>
+          </a:prstGeom>
+          <a:solidFill>
+            <a:srgbClr val="0F2950"/>
+          </a:solidFill>
+          <a:ln>
+            <a:noFill/>
+          </a:ln>
+        </p:spPr>
+        <p:style>
+          <a:lnRef idx="1">
+            <a:schemeClr val="accent1"/>
+          </a:lnRef>
+          <a:fillRef idx="3">
+            <a:schemeClr val="accent1"/>
+          </a:fillRef>
+          <a:effectRef idx="2">
+            <a:schemeClr val="accent1"/>
+          </a:effectRef>
+          <a:fontRef idx="minor">
+            <a:schemeClr val="lt1"/>
+          </a:fontRef>
+        </p:style>
+        <p:txBody>
+          <a:bodyPr wrap="none" lIns="0" tIns="0" rIns="0" bIns="0" rtlCol="0" anchor="ctr"/>
+          <a:lstStyle/>
+          <a:p>
+            <a:pPr algn="ctr">
+              <a:defRPr sz="1600" b="1">
+                <a:solidFill>
+                  <a:srgbClr val="FFFFFF"/>
+                </a:solidFill>
+                <a:latin typeface="Calibri"/>
+              </a:defRPr>
+            </a:pPr>
+            <a:r>
+              <a:rPr sz="1200"/>
+              <a:t>02</a:t>
+            </a:r>
+          </a:p>
+        </p:txBody>
+      </p:sp>
+      <p:sp>
+        <p:nvSpPr>
+          <p:cNvPr id="16" name="TextBox 15"/>
+          <p:cNvSpPr txBox="1"/>
+          <p:nvPr/>
+        </p:nvSpPr>
+        <p:spPr>
+          <a:xfrm>
+            <a:off x="2308860" y="2139695"/>
+            <a:ext cx="2425408" cy="282834"/>
+          </a:xfrm>
+          <a:prstGeom prst="rect">
+            <a:avLst/>
+          </a:prstGeom>
+          <a:noFill/>
+        </p:spPr>
+        <p:txBody>
+          <a:bodyPr wrap="none">
+            <a:spAutoFit/>
+          </a:bodyPr>
+          <a:lstStyle/>
+          <a:p>
+            <a:pPr>
+              <a:defRPr sz="1650" b="1">
+                <a:solidFill>
+                  <a:srgbClr val="232323"/>
+                </a:solidFill>
+                <a:latin typeface="Calibri"/>
+              </a:defRPr>
+            </a:pPr>
+            <a:r>
+              <a:rPr sz="1238"/>
+              <a:t>What problems they solve in SDLC</a:t>
+            </a:r>
+          </a:p>
+        </p:txBody>
+      </p:sp>
+      <p:sp>
+        <p:nvSpPr>
+          <p:cNvPr id="17" name="TextBox 16"/>
+          <p:cNvSpPr txBox="1"/>
+          <p:nvPr/>
+        </p:nvSpPr>
+        <p:spPr>
+          <a:xfrm>
+            <a:off x="2308860" y="2386584"/>
+            <a:ext cx="3223260" cy="392415"/>
+          </a:xfrm>
+          <a:prstGeom prst="rect">
+            <a:avLst/>
+          </a:prstGeom>
+          <a:noFill/>
+        </p:spPr>
+        <p:txBody>
+          <a:bodyPr wrap="square">
+            <a:spAutoFit/>
+          </a:bodyPr>
+          <a:lstStyle/>
+          <a:p>
+            <a:pPr>
+              <a:defRPr sz="1300">
+                <a:solidFill>
+                  <a:srgbClr val="5A5A5A"/>
+                </a:solidFill>
+                <a:latin typeface="Calibri"/>
+              </a:defRPr>
+            </a:pPr>
+            <a:r>
+              <a:rPr sz="975"/>
+              <a:t>Boilerplate &amp; scaffolding (CRUD, configs, DTOs).</a:t>
+            </a:r>
+          </a:p>
+          <a:p>
+            <a:pPr>
+              <a:defRPr sz="1300">
+                <a:solidFill>
+                  <a:srgbClr val="5A5A5A"/>
+                </a:solidFill>
+                <a:latin typeface="Calibri"/>
+              </a:defRPr>
+            </a:pPr>
+            <a:r>
+              <a:rPr sz="975"/>
+              <a:t>Tests and documentation; faster code understanding.</a:t>
+            </a:r>
+          </a:p>
+        </p:txBody>
+      </p:sp>
+      <p:sp>
+        <p:nvSpPr>
+          <p:cNvPr id="18" name="Rounded Rectangle 17"/>
+          <p:cNvSpPr/>
+          <p:nvPr/>
+        </p:nvSpPr>
+        <p:spPr>
+          <a:xfrm>
+            <a:off x="1588770" y="2948939"/>
+            <a:ext cx="4080510" cy="781811"/>
+          </a:xfrm>
+          <a:prstGeom prst="roundRect">
+            <a:avLst/>
+          </a:prstGeom>
+          <a:solidFill>
+            <a:srgbClr val="FFF1F0"/>
+          </a:solidFill>
+          <a:ln w="12700">
+            <a:solidFill>
+              <a:srgbClr val="DCE2EB"/>
+            </a:solidFill>
+          </a:ln>
+        </p:spPr>
+        <p:style>
+          <a:lnRef idx="1">
+            <a:schemeClr val="accent1"/>
+          </a:lnRef>
+          <a:fillRef idx="3">
+            <a:schemeClr val="accent1"/>
+          </a:fillRef>
+          <a:effectRef idx="2">
+            <a:schemeClr val="accent1"/>
+          </a:effectRef>
+          <a:fontRef idx="minor">
+            <a:schemeClr val="lt1"/>
+          </a:fontRef>
+        </p:style>
+        <p:txBody>
+          <a:bodyPr rtlCol="0" anchor="ctr"/>
+          <a:lstStyle/>
+          <a:p>
+            <a:pPr algn="ctr"/>
+            <a:endParaRPr sz="1350"/>
+          </a:p>
+        </p:txBody>
+      </p:sp>
+      <p:sp>
+        <p:nvSpPr>
+          <p:cNvPr id="19" name="Rectangle 18"/>
+          <p:cNvSpPr/>
+          <p:nvPr/>
+        </p:nvSpPr>
+        <p:spPr>
+          <a:xfrm>
+            <a:off x="1588770" y="2948939"/>
+            <a:ext cx="82296" cy="781811"/>
+          </a:xfrm>
+          <a:prstGeom prst="rect">
+            <a:avLst/>
+          </a:prstGeom>
+          <a:solidFill>
+            <a:srgbClr val="E74C3C"/>
+          </a:solidFill>
+          <a:ln>
+            <a:noFill/>
+          </a:ln>
+        </p:spPr>
+        <p:style>
+          <a:lnRef idx="1">
+            <a:schemeClr val="accent1"/>
+          </a:lnRef>
+          <a:fillRef idx="3">
+            <a:schemeClr val="accent1"/>
+          </a:fillRef>
+          <a:effectRef idx="2">
+            <a:schemeClr val="accent1"/>
+          </a:effectRef>
+          <a:fontRef idx="minor">
+            <a:schemeClr val="lt1"/>
+          </a:fontRef>
+        </p:style>
+        <p:txBody>
+          <a:bodyPr rtlCol="0" anchor="ctr"/>
+          <a:lstStyle/>
+          <a:p>
+            <a:pPr algn="ctr"/>
+            <a:endParaRPr sz="1350"/>
+          </a:p>
+        </p:txBody>
+      </p:sp>
+      <p:sp>
+        <p:nvSpPr>
+          <p:cNvPr id="20" name="Oval 19"/>
+          <p:cNvSpPr/>
+          <p:nvPr/>
+        </p:nvSpPr>
+        <p:spPr>
+          <a:xfrm>
+            <a:off x="1760220" y="3127247"/>
+            <a:ext cx="425196" cy="425196"/>
+          </a:xfrm>
+          <a:prstGeom prst="ellipse">
+            <a:avLst/>
+          </a:prstGeom>
+          <a:solidFill>
+            <a:srgbClr val="E74C3C"/>
+          </a:solidFill>
+          <a:ln>
+            <a:noFill/>
+          </a:ln>
+        </p:spPr>
+        <p:style>
+          <a:lnRef idx="1">
+            <a:schemeClr val="accent1"/>
+          </a:lnRef>
+          <a:fillRef idx="3">
+            <a:schemeClr val="accent1"/>
+          </a:fillRef>
+          <a:effectRef idx="2">
+            <a:schemeClr val="accent1"/>
+          </a:effectRef>
+          <a:fontRef idx="minor">
+            <a:schemeClr val="lt1"/>
+          </a:fontRef>
+        </p:style>
+        <p:txBody>
+          <a:bodyPr wrap="none" lIns="0" tIns="0" rIns="0" bIns="0" rtlCol="0" anchor="ctr"/>
+          <a:lstStyle/>
+          <a:p>
+            <a:pPr algn="ctr">
+              <a:defRPr sz="1600" b="1">
+                <a:solidFill>
+                  <a:srgbClr val="FFFFFF"/>
+                </a:solidFill>
+                <a:latin typeface="Calibri"/>
+              </a:defRPr>
+            </a:pPr>
+            <a:r>
+              <a:rPr sz="1200"/>
+              <a:t>03</a:t>
+            </a:r>
+          </a:p>
+        </p:txBody>
+      </p:sp>
+      <p:sp>
+        <p:nvSpPr>
+          <p:cNvPr id="21" name="TextBox 20"/>
+          <p:cNvSpPr txBox="1"/>
+          <p:nvPr/>
+        </p:nvSpPr>
+        <p:spPr>
+          <a:xfrm>
+            <a:off x="2294480" y="2996944"/>
+            <a:ext cx="3241080" cy="282834"/>
+          </a:xfrm>
+          <a:prstGeom prst="rect">
+            <a:avLst/>
+          </a:prstGeom>
+          <a:noFill/>
+        </p:spPr>
+        <p:txBody>
+          <a:bodyPr wrap="none">
+            <a:spAutoFit/>
+          </a:bodyPr>
+          <a:lstStyle/>
+          <a:p>
+            <a:pPr>
+              <a:defRPr sz="1650" b="1">
+                <a:solidFill>
+                  <a:srgbClr val="8C2218"/>
+                </a:solidFill>
+                <a:latin typeface="Calibri"/>
+              </a:defRPr>
+            </a:pPr>
+            <a:r>
+              <a:rPr sz="1238" dirty="0"/>
+              <a:t>What problems they can cause (if unmanaged)</a:t>
+            </a:r>
+          </a:p>
+        </p:txBody>
+      </p:sp>
+      <p:sp>
+        <p:nvSpPr>
+          <p:cNvPr id="22" name="TextBox 21"/>
+          <p:cNvSpPr txBox="1"/>
+          <p:nvPr/>
+        </p:nvSpPr>
+        <p:spPr>
+          <a:xfrm>
+            <a:off x="2308860" y="3242681"/>
+            <a:ext cx="3223260" cy="542456"/>
+          </a:xfrm>
+          <a:prstGeom prst="rect">
+            <a:avLst/>
+          </a:prstGeom>
+          <a:noFill/>
+        </p:spPr>
+        <p:txBody>
+          <a:bodyPr wrap="square">
+            <a:spAutoFit/>
+          </a:bodyPr>
+          <a:lstStyle/>
+          <a:p>
+            <a:pPr>
+              <a:defRPr sz="1300">
+                <a:solidFill>
+                  <a:srgbClr val="5A5A5A"/>
+                </a:solidFill>
+                <a:latin typeface="Calibri"/>
+              </a:defRPr>
+            </a:pPr>
+            <a:r>
+              <a:rPr sz="975" dirty="0"/>
+              <a:t>Token cost spikes from excessive context.</a:t>
+            </a:r>
+          </a:p>
+          <a:p>
+            <a:pPr>
+              <a:defRPr sz="1300">
+                <a:solidFill>
+                  <a:srgbClr val="5A5A5A"/>
+                </a:solidFill>
+                <a:latin typeface="Calibri"/>
+              </a:defRPr>
+            </a:pPr>
+            <a:r>
+              <a:rPr sz="975" dirty="0"/>
+              <a:t>Inconsistent patterns + security/compliance gaps without strong validation.</a:t>
+            </a:r>
+          </a:p>
+        </p:txBody>
+      </p:sp>
+      <p:sp>
+        <p:nvSpPr>
+          <p:cNvPr id="23" name="Rounded Rectangle 22"/>
+          <p:cNvSpPr/>
+          <p:nvPr/>
+        </p:nvSpPr>
+        <p:spPr>
+          <a:xfrm>
+            <a:off x="5977890" y="1165860"/>
+            <a:ext cx="1303020" cy="2729484"/>
+          </a:xfrm>
+          <a:prstGeom prst="roundRect">
+            <a:avLst/>
+          </a:prstGeom>
+          <a:solidFill>
+            <a:srgbClr val="EAF3FF"/>
+          </a:solidFill>
+          <a:ln w="12700">
+            <a:solidFill>
+              <a:srgbClr val="DCE2EB"/>
+            </a:solidFill>
+          </a:ln>
+        </p:spPr>
+        <p:style>
+          <a:lnRef idx="1">
+            <a:schemeClr val="accent1"/>
+          </a:lnRef>
+          <a:fillRef idx="3">
+            <a:schemeClr val="accent1"/>
+          </a:fillRef>
+          <a:effectRef idx="2">
+            <a:schemeClr val="accent1"/>
+          </a:effectRef>
+          <a:fontRef idx="minor">
+            <a:schemeClr val="lt1"/>
+          </a:fontRef>
+        </p:style>
+        <p:txBody>
+          <a:bodyPr rtlCol="0" anchor="ctr"/>
+          <a:lstStyle/>
+          <a:p>
+            <a:pPr algn="ctr"/>
+            <a:endParaRPr sz="1350"/>
+          </a:p>
+        </p:txBody>
+      </p:sp>
+      <p:sp>
+        <p:nvSpPr>
+          <p:cNvPr id="24" name="TextBox 23"/>
+          <p:cNvSpPr txBox="1"/>
+          <p:nvPr/>
+        </p:nvSpPr>
+        <p:spPr>
+          <a:xfrm>
+            <a:off x="6121909" y="1707825"/>
+            <a:ext cx="1016625" cy="438582"/>
+          </a:xfrm>
+          <a:prstGeom prst="rect">
+            <a:avLst/>
+          </a:prstGeom>
+          <a:noFill/>
+        </p:spPr>
+        <p:txBody>
+          <a:bodyPr wrap="none">
+            <a:spAutoFit/>
+          </a:bodyPr>
+          <a:lstStyle/>
+          <a:p>
+            <a:pPr>
+              <a:defRPr sz="1500" b="1">
+                <a:solidFill>
+                  <a:srgbClr val="0F2950"/>
+                </a:solidFill>
+                <a:latin typeface="Calibri"/>
+              </a:defRPr>
+            </a:pPr>
+            <a:r>
+              <a:rPr sz="1125" dirty="0"/>
+              <a:t>Where agents</a:t>
+            </a:r>
+            <a:endParaRPr lang="en-IN" sz="1125" dirty="0"/>
+          </a:p>
+          <a:p>
+            <a:pPr>
+              <a:defRPr sz="1500" b="1">
+                <a:solidFill>
+                  <a:srgbClr val="0F2950"/>
+                </a:solidFill>
+                <a:latin typeface="Calibri"/>
+              </a:defRPr>
+            </a:pPr>
+            <a:r>
+              <a:rPr sz="1125" dirty="0"/>
+              <a:t> help in SDLC</a:t>
+            </a:r>
+          </a:p>
+        </p:txBody>
+      </p:sp>
+      <p:sp>
+        <p:nvSpPr>
+          <p:cNvPr id="26" name="Rounded Rectangle 25"/>
+          <p:cNvSpPr/>
+          <p:nvPr/>
+        </p:nvSpPr>
+        <p:spPr>
+          <a:xfrm>
+            <a:off x="1602486" y="4055353"/>
+            <a:ext cx="5623560" cy="781811"/>
+          </a:xfrm>
+          <a:prstGeom prst="roundRect">
+            <a:avLst/>
+          </a:prstGeom>
+          <a:solidFill>
+            <a:srgbClr val="0F2950"/>
+          </a:solidFill>
+          <a:ln>
+            <a:noFill/>
+          </a:ln>
+        </p:spPr>
+        <p:style>
+          <a:lnRef idx="1">
+            <a:schemeClr val="accent1"/>
+          </a:lnRef>
+          <a:fillRef idx="3">
+            <a:schemeClr val="accent1"/>
+          </a:fillRef>
+          <a:effectRef idx="2">
+            <a:schemeClr val="accent1"/>
+          </a:effectRef>
+          <a:fontRef idx="minor">
+            <a:schemeClr val="lt1"/>
+          </a:fontRef>
+        </p:style>
+        <p:txBody>
+          <a:bodyPr rtlCol="0" anchor="ctr"/>
+          <a:lstStyle/>
+          <a:p>
+            <a:pPr algn="ctr"/>
+            <a:endParaRPr sz="1350"/>
+          </a:p>
+        </p:txBody>
+      </p:sp>
+      <p:sp>
+        <p:nvSpPr>
+          <p:cNvPr id="27" name="TextBox 26"/>
+          <p:cNvSpPr txBox="1"/>
+          <p:nvPr/>
+        </p:nvSpPr>
+        <p:spPr>
+          <a:xfrm>
+            <a:off x="1809148" y="4121658"/>
+            <a:ext cx="1066895" cy="300082"/>
+          </a:xfrm>
+          <a:prstGeom prst="rect">
+            <a:avLst/>
+          </a:prstGeom>
+          <a:noFill/>
+        </p:spPr>
+        <p:txBody>
+          <a:bodyPr wrap="none">
+            <a:spAutoFit/>
+          </a:bodyPr>
+          <a:lstStyle/>
+          <a:p>
+            <a:pPr>
+              <a:defRPr sz="1800" b="1">
+                <a:solidFill>
+                  <a:srgbClr val="FFFFFF"/>
+                </a:solidFill>
+                <a:latin typeface="Calibri"/>
+              </a:defRPr>
+            </a:pPr>
+            <a:r>
+              <a:rPr sz="1350" dirty="0"/>
+              <a:t>AI LAB focus</a:t>
+            </a:r>
+          </a:p>
+        </p:txBody>
+      </p:sp>
+      <p:sp>
+        <p:nvSpPr>
+          <p:cNvPr id="28" name="TextBox 27"/>
+          <p:cNvSpPr txBox="1"/>
+          <p:nvPr/>
+        </p:nvSpPr>
+        <p:spPr>
+          <a:xfrm>
+            <a:off x="3070209" y="4135374"/>
+            <a:ext cx="4112023" cy="242374"/>
+          </a:xfrm>
+          <a:prstGeom prst="rect">
+            <a:avLst/>
+          </a:prstGeom>
+          <a:noFill/>
+        </p:spPr>
+        <p:txBody>
+          <a:bodyPr wrap="none">
+            <a:spAutoFit/>
+          </a:bodyPr>
+          <a:lstStyle/>
+          <a:p>
+            <a:pPr>
+              <a:defRPr sz="1300">
+                <a:solidFill>
+                  <a:srgbClr val="E6EBF5"/>
+                </a:solidFill>
+                <a:latin typeface="Calibri"/>
+              </a:defRPr>
+            </a:pPr>
+            <a:r>
+              <a:rPr sz="975" dirty="0"/>
+              <a:t>Building a governed framework for safe productivity gains (work in progress).</a:t>
+            </a:r>
+          </a:p>
+        </p:txBody>
+      </p:sp>
+      <p:sp>
+        <p:nvSpPr>
+          <p:cNvPr id="29" name="Rounded Rectangle 28"/>
+          <p:cNvSpPr/>
+          <p:nvPr/>
+        </p:nvSpPr>
+        <p:spPr>
+          <a:xfrm>
+            <a:off x="3455068" y="4455042"/>
+            <a:ext cx="1371600" cy="301752"/>
+          </a:xfrm>
+          <a:prstGeom prst="roundRect">
+            <a:avLst/>
+          </a:prstGeom>
+          <a:solidFill>
+            <a:srgbClr val="1F6CD0"/>
+          </a:solidFill>
+          <a:ln>
+            <a:noFill/>
+          </a:ln>
+        </p:spPr>
+        <p:style>
+          <a:lnRef idx="1">
+            <a:schemeClr val="accent1"/>
+          </a:lnRef>
+          <a:fillRef idx="3">
+            <a:schemeClr val="accent1"/>
+          </a:fillRef>
+          <a:effectRef idx="2">
+            <a:schemeClr val="accent1"/>
+          </a:effectRef>
+          <a:fontRef idx="minor">
+            <a:schemeClr val="lt1"/>
+          </a:fontRef>
+        </p:style>
+        <p:txBody>
+          <a:bodyPr wrap="none" rtlCol="0" anchor="ctr"/>
+          <a:lstStyle/>
+          <a:p>
+            <a:pPr algn="ctr">
+              <a:defRPr sz="1230" b="1">
+                <a:solidFill>
+                  <a:srgbClr val="FFFFFF"/>
+                </a:solidFill>
+                <a:latin typeface="Calibri"/>
+              </a:defRPr>
+            </a:pPr>
+            <a:r>
+              <a:rPr sz="923" dirty="0"/>
+              <a:t>Smart Context (MCP)</a:t>
+            </a:r>
+          </a:p>
+        </p:txBody>
+      </p:sp>
+      <p:sp>
+        <p:nvSpPr>
+          <p:cNvPr id="30" name="Rounded Rectangle 29"/>
+          <p:cNvSpPr/>
+          <p:nvPr/>
+        </p:nvSpPr>
+        <p:spPr>
+          <a:xfrm>
+            <a:off x="1691640" y="4471416"/>
+            <a:ext cx="1440180" cy="301752"/>
+          </a:xfrm>
+          <a:prstGeom prst="roundRect">
+            <a:avLst/>
+          </a:prstGeom>
+          <a:solidFill>
+            <a:srgbClr val="1F6CD0"/>
+          </a:solidFill>
+          <a:ln>
+            <a:noFill/>
+          </a:ln>
+        </p:spPr>
+        <p:style>
+          <a:lnRef idx="1">
+            <a:schemeClr val="accent1"/>
+          </a:lnRef>
+          <a:fillRef idx="3">
+            <a:schemeClr val="accent1"/>
+          </a:fillRef>
+          <a:effectRef idx="2">
+            <a:schemeClr val="accent1"/>
+          </a:effectRef>
+          <a:fontRef idx="minor">
+            <a:schemeClr val="lt1"/>
+          </a:fontRef>
+        </p:style>
+        <p:txBody>
+          <a:bodyPr wrap="none" rtlCol="0" anchor="ctr"/>
+          <a:lstStyle/>
+          <a:p>
+            <a:pPr algn="ctr">
+              <a:defRPr sz="1230" b="1">
+                <a:solidFill>
+                  <a:srgbClr val="FFFFFF"/>
+                </a:solidFill>
+                <a:latin typeface="Calibri"/>
+              </a:defRPr>
+            </a:pPr>
+            <a:r>
+              <a:rPr sz="923"/>
+              <a:t>Template Governance</a:t>
+            </a:r>
+          </a:p>
+        </p:txBody>
+      </p:sp>
+      <p:sp>
+        <p:nvSpPr>
+          <p:cNvPr id="31" name="Rounded Rectangle 30"/>
+          <p:cNvSpPr/>
+          <p:nvPr/>
+        </p:nvSpPr>
+        <p:spPr>
+          <a:xfrm>
+            <a:off x="5120640" y="4471416"/>
+            <a:ext cx="1851660" cy="301752"/>
+          </a:xfrm>
+          <a:prstGeom prst="roundRect">
+            <a:avLst/>
+          </a:prstGeom>
+          <a:solidFill>
+            <a:srgbClr val="1F6CD0"/>
+          </a:solidFill>
+          <a:ln>
+            <a:noFill/>
+          </a:ln>
+        </p:spPr>
+        <p:style>
+          <a:lnRef idx="1">
+            <a:schemeClr val="accent1"/>
+          </a:lnRef>
+          <a:fillRef idx="3">
+            <a:schemeClr val="accent1"/>
+          </a:fillRef>
+          <a:effectRef idx="2">
+            <a:schemeClr val="accent1"/>
+          </a:effectRef>
+          <a:fontRef idx="minor">
+            <a:schemeClr val="lt1"/>
+          </a:fontRef>
+        </p:style>
+        <p:txBody>
+          <a:bodyPr wrap="none" rtlCol="0" anchor="ctr"/>
+          <a:lstStyle/>
+          <a:p>
+            <a:pPr algn="ctr">
+              <a:defRPr sz="1230" b="1">
+                <a:solidFill>
+                  <a:srgbClr val="FFFFFF"/>
+                </a:solidFill>
+                <a:latin typeface="Calibri"/>
+              </a:defRPr>
+            </a:pPr>
+            <a:r>
+              <a:rPr sz="923"/>
+              <a:t>Automation: Design → Code</a:t>
+            </a:r>
+          </a:p>
+        </p:txBody>
+      </p:sp>
+      <p:pic>
+        <p:nvPicPr>
+          <p:cNvPr id="33" name="Picture 32" descr="sdlc_clean.png"/>
+          <p:cNvPicPr>
+            <a:picLocks noChangeAspect="1"/>
+          </p:cNvPicPr>
+          <p:nvPr/>
+        </p:nvPicPr>
+        <p:blipFill>
+          <a:blip r:embed="rId2"/>
+          <a:stretch>
+            <a:fillRect/>
+          </a:stretch>
+        </p:blipFill>
+        <p:spPr>
+          <a:xfrm>
+            <a:off x="6128766" y="2376812"/>
+            <a:ext cx="1001268" cy="623048"/>
+          </a:xfrm>
+          <a:prstGeom prst="rect">
+            <a:avLst/>
+          </a:prstGeom>
+        </p:spPr>
+      </p:pic>
+      <p:grpSp>
+        <p:nvGrpSpPr>
+          <p:cNvPr id="25" name="Group 24">
+            <a:extLst>
+              <a:ext uri="{FF2B5EF4-FFF2-40B4-BE49-F238E27FC236}">
+                <a16:creationId xmlns:a16="http://schemas.microsoft.com/office/drawing/2014/main" id="{E49BADCF-C1E6-B586-C148-10D95350519C}"/>
+              </a:ext>
+            </a:extLst>
+          </p:cNvPr>
+          <p:cNvGrpSpPr/>
+          <p:nvPr/>
+        </p:nvGrpSpPr>
+        <p:grpSpPr>
+          <a:xfrm>
+            <a:off x="6121909" y="274627"/>
+            <a:ext cx="1419605" cy="418031"/>
+            <a:chOff x="6588252" y="360501"/>
+            <a:chExt cx="1892807" cy="557374"/>
+          </a:xfrm>
+        </p:grpSpPr>
+        <p:sp>
+          <p:nvSpPr>
+            <p:cNvPr id="5" name="Rounded Rectangle 4"/>
+            <p:cNvSpPr/>
+            <p:nvPr/>
+          </p:nvSpPr>
+          <p:spPr>
+            <a:xfrm>
+              <a:off x="6606540" y="426032"/>
+              <a:ext cx="1874519" cy="384048"/>
+            </a:xfrm>
+            <a:prstGeom prst="roundRect">
+              <a:avLst/>
+            </a:prstGeom>
+            <a:solidFill>
+              <a:srgbClr val="EAF3FF"/>
+            </a:solidFill>
+            <a:ln w="13970">
+              <a:solidFill>
+                <a:srgbClr val="1F6CD0"/>
+              </a:solidFill>
+            </a:ln>
+          </p:spPr>
+          <p:style>
+            <a:lnRef idx="1">
+              <a:schemeClr val="accent1"/>
+            </a:lnRef>
+            <a:fillRef idx="3">
+              <a:schemeClr val="accent1"/>
+            </a:fillRef>
+            <a:effectRef idx="2">
+              <a:schemeClr val="accent1"/>
+            </a:effectRef>
+            <a:fontRef idx="minor">
+              <a:schemeClr val="lt1"/>
+            </a:fontRef>
+          </p:style>
+          <p:txBody>
+            <a:bodyPr rtlCol="0" anchor="ctr"/>
+            <a:lstStyle/>
+            <a:p>
+              <a:pPr algn="ctr">
+                <a:defRPr sz="1300" b="1">
+                  <a:solidFill>
+                    <a:srgbClr val="0F2950"/>
+                  </a:solidFill>
+                  <a:latin typeface="Calibri"/>
+                </a:defRPr>
+              </a:pPr>
+              <a:r>
+                <a:rPr lang="en-IN" sz="975" dirty="0"/>
+                <a:t>                       AI LAB</a:t>
+              </a:r>
+              <a:endParaRPr sz="975" dirty="0"/>
+            </a:p>
+          </p:txBody>
+        </p:sp>
+        <p:pic>
+          <p:nvPicPr>
+            <p:cNvPr id="34" name="Picture 33" descr="coforge_logo.png"/>
+            <p:cNvPicPr>
+              <a:picLocks noChangeAspect="1"/>
+            </p:cNvPicPr>
+            <p:nvPr/>
+          </p:nvPicPr>
+          <p:blipFill>
+            <a:blip r:embed="rId3"/>
+            <a:stretch>
+              <a:fillRect/>
+            </a:stretch>
+          </p:blipFill>
+          <p:spPr>
+            <a:xfrm>
+              <a:off x="6588252" y="360501"/>
+              <a:ext cx="1206900" cy="557374"/>
+            </a:xfrm>
+            <a:prstGeom prst="rect">
+              <a:avLst/>
+            </a:prstGeom>
+          </p:spPr>
+        </p:pic>
+      </p:grpSp>
+    </p:spTree>
+  </p:cSld>
+  <p:clrMapOvr>
+    <a:masterClrMapping/>
+  </p:clrMapOvr>
+</p:sld>
+</file>
+
+<file path=ppt/slides/slide2.xml><?xml version="1.0" encoding="utf-8"?>
+<p:sld xmlns:a="http://schemas.openxmlformats.org/drawingml/2006/main" xmlns:r="http://schemas.openxmlformats.org/officeDocument/2006/relationships" xmlns:p="http://schemas.openxmlformats.org/presentationml/2006/main">
+  <p:cSld>
+    <p:spTree>
+      <p:nvGrpSpPr>
+        <p:cNvPr id="1" name=""/>
+        <p:cNvGrpSpPr/>
+        <p:nvPr/>
+      </p:nvGrpSpPr>
+      <p:grpSpPr>
+        <a:xfrm>
+          <a:off x="0" y="0"/>
+          <a:ext cx="0" cy="0"/>
+          <a:chOff x="0" y="0"/>
+          <a:chExt cx="0" cy="0"/>
+        </a:xfrm>
+      </p:grpSpPr>
+      <p:sp>
+        <p:nvSpPr>
+          <p:cNvPr id="2" name="Rectangle 1"/>
+          <p:cNvSpPr/>
+          <p:nvPr/>
+        </p:nvSpPr>
+        <p:spPr>
+          <a:xfrm>
+            <a:off x="1143000" y="0"/>
+            <a:ext cx="6858000" cy="5143500"/>
+          </a:xfrm>
+          <a:prstGeom prst="rect">
+            <a:avLst/>
+          </a:prstGeom>
+          <a:solidFill>
+            <a:srgbClr val="FFFFFF"/>
+          </a:solidFill>
+          <a:ln>
+            <a:noFill/>
+          </a:ln>
+        </p:spPr>
+        <p:style>
+          <a:lnRef idx="1">
+            <a:schemeClr val="accent1"/>
+          </a:lnRef>
+          <a:fillRef idx="3">
+            <a:schemeClr val="accent1"/>
+          </a:fillRef>
+          <a:effectRef idx="2">
+            <a:schemeClr val="accent1"/>
+          </a:effectRef>
+          <a:fontRef idx="minor">
+            <a:schemeClr val="lt1"/>
+          </a:fontRef>
+        </p:style>
+        <p:txBody>
+          <a:bodyPr rtlCol="0" anchor="ctr"/>
+          <a:lstStyle/>
+          <a:p>
+            <a:pPr algn="ctr"/>
+            <a:endParaRPr sz="1350"/>
+          </a:p>
+        </p:txBody>
+      </p:sp>
+      <p:sp>
+        <p:nvSpPr>
+          <p:cNvPr id="3" name="TextBox 2"/>
+          <p:cNvSpPr txBox="1"/>
+          <p:nvPr/>
+        </p:nvSpPr>
+        <p:spPr>
+          <a:xfrm>
+            <a:off x="1554480" y="240030"/>
+            <a:ext cx="3753592" cy="461665"/>
+          </a:xfrm>
+          <a:prstGeom prst="rect">
+            <a:avLst/>
+          </a:prstGeom>
+          <a:noFill/>
+        </p:spPr>
+        <p:txBody>
+          <a:bodyPr wrap="none">
+            <a:spAutoFit/>
+          </a:bodyPr>
+          <a:lstStyle/>
+          <a:p>
+            <a:pPr>
+              <a:defRPr sz="2400" b="1">
+                <a:solidFill>
+                  <a:srgbClr val="1A1A1A"/>
+                </a:solidFill>
+              </a:defRPr>
+            </a:pPr>
+            <a:r>
+              <a:t>Agents help across the SDLC</a:t>
+            </a:r>
+          </a:p>
+        </p:txBody>
+      </p:sp>
+      <p:sp>
+        <p:nvSpPr>
+          <p:cNvPr id="5" name="Rounded Rectangle 4"/>
+          <p:cNvSpPr/>
+          <p:nvPr/>
+        </p:nvSpPr>
+        <p:spPr>
+          <a:xfrm>
+            <a:off x="6766560" y="240030"/>
+            <a:ext cx="822960" cy="308610"/>
+          </a:xfrm>
+          <a:prstGeom prst="roundRect">
+            <a:avLst/>
+          </a:prstGeom>
+          <a:solidFill>
+            <a:srgbClr val="0B4F6C"/>
+          </a:solidFill>
+          <a:ln>
+            <a:noFill/>
+          </a:ln>
+        </p:spPr>
+        <p:style>
+          <a:lnRef idx="1">
+            <a:schemeClr val="accent1"/>
+          </a:lnRef>
+          <a:fillRef idx="3">
+            <a:schemeClr val="accent1"/>
+          </a:fillRef>
+          <a:effectRef idx="2">
+            <a:schemeClr val="accent1"/>
+          </a:effectRef>
+          <a:fontRef idx="minor">
+            <a:schemeClr val="lt1"/>
+          </a:fontRef>
+        </p:style>
+        <p:txBody>
+          <a:bodyPr rtlCol="0" anchor="ctr"/>
+          <a:lstStyle/>
+          <a:p>
+            <a:pPr algn="ctr">
+              <a:defRPr sz="1400" b="1">
+                <a:solidFill>
+                  <a:srgbClr val="FFFFFF"/>
+                </a:solidFill>
+              </a:defRPr>
+            </a:pPr>
+            <a:r>
+              <a:rPr sz="1050"/>
+              <a:t>Back</a:t>
+            </a:r>
+          </a:p>
+        </p:txBody>
+      </p:sp>
+      <p:pic>
+        <p:nvPicPr>
+          <p:cNvPr id="6" name="Picture 5" descr="sdlc_clean.png"/>
+          <p:cNvPicPr>
+            <a:picLocks noChangeAspect="1"/>
+          </p:cNvPicPr>
+          <p:nvPr/>
+        </p:nvPicPr>
+        <p:blipFill>
+          <a:blip r:embed="rId2"/>
+          <a:stretch>
+            <a:fillRect/>
+          </a:stretch>
+        </p:blipFill>
+        <p:spPr>
+          <a:xfrm>
+            <a:off x="1691640" y="847999"/>
+            <a:ext cx="5760720" cy="3584663"/>
+          </a:xfrm>
+          <a:prstGeom prst="rect">
+            <a:avLst/>
+          </a:prstGeom>
+        </p:spPr>
+      </p:pic>
+    </p:spTree>
+  </p:cSld>
+  <p:clrMapOvr>
+    <a:masterClrMapping/>
+  </p:clrMapOvr>
+</p:sld>
+</file>
+
+<file path=ppt/slides/slide3.xml><?xml version="1.0" encoding="utf-8"?>
 <p:sld xmlns:a="http://schemas.openxmlformats.org/drawingml/2006/main" xmlns:r="http://schemas.openxmlformats.org/officeDocument/2006/relationships" xmlns:p="http://schemas.openxmlformats.org/presentationml/2006/main">
   <p:cSld name="Slide 1">
     <p:bg>
@@ -1787,7 +3497,7 @@
 </p:sld>
 </file>
 
-<file path=ppt/slides/slide2.xml><?xml version="1.0" encoding="utf-8"?>
+<file path=ppt/slides/slide4.xml><?xml version="1.0" encoding="utf-8"?>
 <p:sld xmlns:a="http://schemas.openxmlformats.org/drawingml/2006/main" xmlns:r="http://schemas.openxmlformats.org/officeDocument/2006/relationships" xmlns:p="http://schemas.openxmlformats.org/presentationml/2006/main">
   <p:cSld name="Slide 2">
     <p:bg>
@@ -2412,7 +4122,7 @@
 </p:sld>
 </file>
 
-<file path=ppt/slides/slide3.xml><?xml version="1.0" encoding="utf-8"?>
+<file path=ppt/slides/slide5.xml><?xml version="1.0" encoding="utf-8"?>
 <p:sld xmlns:a="http://schemas.openxmlformats.org/drawingml/2006/main" xmlns:r="http://schemas.openxmlformats.org/officeDocument/2006/relationships" xmlns:p="http://schemas.openxmlformats.org/presentationml/2006/main">
   <p:cSld name="Slide 3">
     <p:bg>
@@ -2675,7 +4385,7 @@
                 <a:ea typeface="Calibri" pitchFamily="34" charset="-122"/>
                 <a:cs typeface="Calibri" pitchFamily="34" charset="-120"/>
               </a:rPr>
-              <a:t>50-0%</a:t>
+              <a:t>50-60%</a:t>
             </a:r>
             <a:endParaRPr lang="en-US" sz="4800" dirty="0"/>
           </a:p>
